--- a/TA8/TA8_OOP.pptx
+++ b/TA8/TA8_OOP.pptx
@@ -1644,7 +1644,7 @@
             </a:r>
             <a:r>
               <a:rPr lang="en-US" dirty="0"/>
-              <a:t>     9 </a:t>
+              <a:t>     8 </a:t>
             </a:r>
             <a:endParaRPr lang="he-IL" dirty="0"/>
           </a:p>
@@ -4390,6 +4390,19 @@
                 <a:cs typeface="Yanone Kaffeesatz Light"/>
               </a:rPr>
               <a:t>Patterns</a:t>
+            </a:r>
+          </a:p>
+          <a:p>
+            <a:pPr algn="l" rtl="0"/>
+            <a:r>
+              <a:rPr lang="en-US" sz="2400" b="0" spc="30" dirty="0">
+                <a:solidFill>
+                  <a:srgbClr val="0F638D"/>
+                </a:solidFill>
+                <a:latin typeface="Yanone Kaffeesatz Light"/>
+                <a:cs typeface="Yanone Kaffeesatz Light"/>
+              </a:rPr>
+              <a:t>Python threads</a:t>
             </a:r>
           </a:p>
           <a:p>
